--- a/TwitterMapOverview.pptx
+++ b/TwitterMapOverview.pptx
@@ -8,9 +8,12 @@
     <p:sldId id="256" r:id="rId2"/>
     <p:sldId id="258" r:id="rId3"/>
     <p:sldId id="257" r:id="rId4"/>
-    <p:sldId id="259" r:id="rId5"/>
-    <p:sldId id="260" r:id="rId6"/>
-    <p:sldId id="261" r:id="rId7"/>
+    <p:sldId id="263" r:id="rId5"/>
+    <p:sldId id="259" r:id="rId6"/>
+    <p:sldId id="262" r:id="rId7"/>
+    <p:sldId id="260" r:id="rId8"/>
+    <p:sldId id="261" r:id="rId9"/>
+    <p:sldId id="264" r:id="rId10"/>
   </p:sldIdLst>
   <p:sldSz cx="12192000" cy="6858000"/>
   <p:notesSz cx="6858000" cy="9144000"/>
@@ -250,7 +253,7 @@
           <a:p>
             <a:fld id="{6FBC2375-1CA2-4572-96F6-2ED7EACDE65F}" type="datetimeFigureOut">
               <a:rPr lang="en-US" smtClean="0"/>
-              <a:t>5/19/2017</a:t>
+              <a:t>5/30/2017</a:t>
             </a:fld>
             <a:endParaRPr lang="en-US"/>
           </a:p>
@@ -418,7 +421,7 @@
           <a:p>
             <a:fld id="{6FBC2375-1CA2-4572-96F6-2ED7EACDE65F}" type="datetimeFigureOut">
               <a:rPr lang="en-US" smtClean="0"/>
-              <a:t>5/19/2017</a:t>
+              <a:t>5/30/2017</a:t>
             </a:fld>
             <a:endParaRPr lang="en-US"/>
           </a:p>
@@ -596,7 +599,7 @@
           <a:p>
             <a:fld id="{6FBC2375-1CA2-4572-96F6-2ED7EACDE65F}" type="datetimeFigureOut">
               <a:rPr lang="en-US" smtClean="0"/>
-              <a:t>5/19/2017</a:t>
+              <a:t>5/30/2017</a:t>
             </a:fld>
             <a:endParaRPr lang="en-US"/>
           </a:p>
@@ -764,7 +767,7 @@
           <a:p>
             <a:fld id="{6FBC2375-1CA2-4572-96F6-2ED7EACDE65F}" type="datetimeFigureOut">
               <a:rPr lang="en-US" smtClean="0"/>
-              <a:t>5/19/2017</a:t>
+              <a:t>5/30/2017</a:t>
             </a:fld>
             <a:endParaRPr lang="en-US"/>
           </a:p>
@@ -1009,7 +1012,7 @@
           <a:p>
             <a:fld id="{6FBC2375-1CA2-4572-96F6-2ED7EACDE65F}" type="datetimeFigureOut">
               <a:rPr lang="en-US" smtClean="0"/>
-              <a:t>5/19/2017</a:t>
+              <a:t>5/30/2017</a:t>
             </a:fld>
             <a:endParaRPr lang="en-US"/>
           </a:p>
@@ -1238,7 +1241,7 @@
           <a:p>
             <a:fld id="{6FBC2375-1CA2-4572-96F6-2ED7EACDE65F}" type="datetimeFigureOut">
               <a:rPr lang="en-US" smtClean="0"/>
-              <a:t>5/19/2017</a:t>
+              <a:t>5/30/2017</a:t>
             </a:fld>
             <a:endParaRPr lang="en-US"/>
           </a:p>
@@ -1602,7 +1605,7 @@
           <a:p>
             <a:fld id="{6FBC2375-1CA2-4572-96F6-2ED7EACDE65F}" type="datetimeFigureOut">
               <a:rPr lang="en-US" smtClean="0"/>
-              <a:t>5/19/2017</a:t>
+              <a:t>5/30/2017</a:t>
             </a:fld>
             <a:endParaRPr lang="en-US"/>
           </a:p>
@@ -1719,7 +1722,7 @@
           <a:p>
             <a:fld id="{6FBC2375-1CA2-4572-96F6-2ED7EACDE65F}" type="datetimeFigureOut">
               <a:rPr lang="en-US" smtClean="0"/>
-              <a:t>5/19/2017</a:t>
+              <a:t>5/30/2017</a:t>
             </a:fld>
             <a:endParaRPr lang="en-US"/>
           </a:p>
@@ -1814,7 +1817,7 @@
           <a:p>
             <a:fld id="{6FBC2375-1CA2-4572-96F6-2ED7EACDE65F}" type="datetimeFigureOut">
               <a:rPr lang="en-US" smtClean="0"/>
-              <a:t>5/19/2017</a:t>
+              <a:t>5/30/2017</a:t>
             </a:fld>
             <a:endParaRPr lang="en-US"/>
           </a:p>
@@ -2089,7 +2092,7 @@
           <a:p>
             <a:fld id="{6FBC2375-1CA2-4572-96F6-2ED7EACDE65F}" type="datetimeFigureOut">
               <a:rPr lang="en-US" smtClean="0"/>
-              <a:t>5/19/2017</a:t>
+              <a:t>5/30/2017</a:t>
             </a:fld>
             <a:endParaRPr lang="en-US"/>
           </a:p>
@@ -2341,7 +2344,7 @@
           <a:p>
             <a:fld id="{6FBC2375-1CA2-4572-96F6-2ED7EACDE65F}" type="datetimeFigureOut">
               <a:rPr lang="en-US" smtClean="0"/>
-              <a:t>5/19/2017</a:t>
+              <a:t>5/30/2017</a:t>
             </a:fld>
             <a:endParaRPr lang="en-US"/>
           </a:p>
@@ -2552,7 +2555,7 @@
           <a:p>
             <a:fld id="{6FBC2375-1CA2-4572-96F6-2ED7EACDE65F}" type="datetimeFigureOut">
               <a:rPr lang="en-US" smtClean="0"/>
-              <a:t>5/19/2017</a:t>
+              <a:t>5/30/2017</a:t>
             </a:fld>
             <a:endParaRPr lang="en-US"/>
           </a:p>
@@ -3262,6 +3265,139 @@
           <a:p>
             <a:r>
               <a:rPr lang="en-US" dirty="0"/>
+              <a:t>Design</a:t>
+            </a:r>
+          </a:p>
+        </p:txBody>
+      </p:sp>
+      <p:sp>
+        <p:nvSpPr>
+          <p:cNvPr id="3" name="Content Placeholder 2"/>
+          <p:cNvSpPr>
+            <a:spLocks noGrp="1"/>
+          </p:cNvSpPr>
+          <p:nvPr>
+            <p:ph idx="1"/>
+          </p:nvPr>
+        </p:nvSpPr>
+        <p:spPr/>
+        <p:txBody>
+          <a:bodyPr/>
+          <a:lstStyle/>
+          <a:p>
+            <a:r>
+              <a:rPr lang="en-US" dirty="0"/>
+              <a:t>There will be two main projects, the Frontend and the Backend</a:t>
+            </a:r>
+          </a:p>
+          <a:p>
+            <a:r>
+              <a:rPr lang="en-US" dirty="0" err="1"/>
+              <a:t>FrontEnd</a:t>
+            </a:r>
+            <a:endParaRPr lang="en-US" dirty="0"/>
+          </a:p>
+          <a:p>
+            <a:pPr lvl="1"/>
+            <a:r>
+              <a:rPr lang="en-US" dirty="0"/>
+              <a:t>The </a:t>
+            </a:r>
+            <a:r>
+              <a:rPr lang="en-US" dirty="0" err="1"/>
+              <a:t>webapplication</a:t>
+            </a:r>
+            <a:r>
+              <a:rPr lang="en-US" dirty="0"/>
+              <a:t> that users will utilize to display the twitter data</a:t>
+            </a:r>
+          </a:p>
+          <a:p>
+            <a:pPr lvl="1"/>
+            <a:r>
+              <a:rPr lang="en-US" dirty="0"/>
+              <a:t>Will implement a MVC architecture using Spring</a:t>
+            </a:r>
+          </a:p>
+          <a:p>
+            <a:pPr lvl="1"/>
+            <a:r>
+              <a:rPr lang="en-US" dirty="0" err="1"/>
+              <a:t>Mybatis</a:t>
+            </a:r>
+            <a:r>
+              <a:rPr lang="en-US" dirty="0"/>
+              <a:t> will be used to decouple data access objects from Database logic</a:t>
+            </a:r>
+          </a:p>
+          <a:p>
+            <a:r>
+              <a:rPr lang="en-US" dirty="0"/>
+              <a:t>Backend </a:t>
+            </a:r>
+          </a:p>
+          <a:p>
+            <a:pPr lvl="1"/>
+            <a:r>
+              <a:rPr lang="en-US" dirty="0"/>
+              <a:t>Contains retrieval, processing, and storing of twitter data form Twitter API</a:t>
+            </a:r>
+          </a:p>
+          <a:p>
+            <a:r>
+              <a:rPr lang="en-US" dirty="0"/>
+              <a:t>These two components will be executing on two separate machines ideally. </a:t>
+            </a:r>
+          </a:p>
+        </p:txBody>
+      </p:sp>
+    </p:spTree>
+    <p:extLst>
+      <p:ext uri="{BB962C8B-B14F-4D97-AF65-F5344CB8AC3E}">
+        <p14:creationId xmlns:p14="http://schemas.microsoft.com/office/powerpoint/2010/main" val="1773228270"/>
+      </p:ext>
+    </p:extLst>
+  </p:cSld>
+  <p:clrMapOvr>
+    <a:masterClrMapping/>
+  </p:clrMapOvr>
+</p:sld>
+</file>
+
+<file path=ppt/slides/slide5.xml><?xml version="1.0" encoding="utf-8"?>
+<p:sld xmlns:a="http://schemas.openxmlformats.org/drawingml/2006/main" xmlns:r="http://schemas.openxmlformats.org/officeDocument/2006/relationships" xmlns:p="http://schemas.openxmlformats.org/presentationml/2006/main">
+  <p:cSld>
+    <p:spTree>
+      <p:nvGrpSpPr>
+        <p:cNvPr id="1" name=""/>
+        <p:cNvGrpSpPr/>
+        <p:nvPr/>
+      </p:nvGrpSpPr>
+      <p:grpSpPr>
+        <a:xfrm>
+          <a:off x="0" y="0"/>
+          <a:ext cx="0" cy="0"/>
+          <a:chOff x="0" y="0"/>
+          <a:chExt cx="0" cy="0"/>
+        </a:xfrm>
+      </p:grpSpPr>
+      <p:sp>
+        <p:nvSpPr>
+          <p:cNvPr id="2" name="Title 1"/>
+          <p:cNvSpPr>
+            <a:spLocks noGrp="1"/>
+          </p:cNvSpPr>
+          <p:nvPr>
+            <p:ph type="title"/>
+          </p:nvPr>
+        </p:nvSpPr>
+        <p:spPr/>
+        <p:txBody>
+          <a:bodyPr/>
+          <a:lstStyle/>
+          <a:p>
+            <a:r>
+              <a:rPr lang="en-US" dirty="0"/>
               <a:t>Implementation - Backend</a:t>
             </a:r>
           </a:p>
@@ -3458,7 +3594,88 @@
 </p:sld>
 </file>
 
-<file path=ppt/slides/slide5.xml><?xml version="1.0" encoding="utf-8"?>
+<file path=ppt/slides/slide6.xml><?xml version="1.0" encoding="utf-8"?>
+<p:sld xmlns:a="http://schemas.openxmlformats.org/drawingml/2006/main" xmlns:r="http://schemas.openxmlformats.org/officeDocument/2006/relationships" xmlns:p="http://schemas.openxmlformats.org/presentationml/2006/main">
+  <p:cSld>
+    <p:spTree>
+      <p:nvGrpSpPr>
+        <p:cNvPr id="1" name=""/>
+        <p:cNvGrpSpPr/>
+        <p:nvPr/>
+      </p:nvGrpSpPr>
+      <p:grpSpPr>
+        <a:xfrm>
+          <a:off x="0" y="0"/>
+          <a:ext cx="0" cy="0"/>
+          <a:chOff x="0" y="0"/>
+          <a:chExt cx="0" cy="0"/>
+        </a:xfrm>
+      </p:grpSpPr>
+      <p:sp>
+        <p:nvSpPr>
+          <p:cNvPr id="2" name="Title 1"/>
+          <p:cNvSpPr>
+            <a:spLocks noGrp="1"/>
+          </p:cNvSpPr>
+          <p:nvPr>
+            <p:ph type="title"/>
+          </p:nvPr>
+        </p:nvSpPr>
+        <p:spPr/>
+        <p:txBody>
+          <a:bodyPr/>
+          <a:lstStyle/>
+          <a:p>
+            <a:r>
+              <a:rPr lang="en-US" dirty="0"/>
+              <a:t>Backend - Flow</a:t>
+            </a:r>
+          </a:p>
+        </p:txBody>
+      </p:sp>
+      <p:pic>
+        <p:nvPicPr>
+          <p:cNvPr id="5" name="Content Placeholder 4"/>
+          <p:cNvPicPr>
+            <a:picLocks noGrp="1" noChangeAspect="1"/>
+          </p:cNvPicPr>
+          <p:nvPr>
+            <p:ph idx="1"/>
+          </p:nvPr>
+        </p:nvPicPr>
+        <p:blipFill>
+          <a:blip r:embed="rId2">
+            <a:extLst>
+              <a:ext uri="{28A0092B-C50C-407E-A947-70E740481C1C}">
+                <a14:useLocalDpi xmlns:a14="http://schemas.microsoft.com/office/drawing/2010/main" val="0"/>
+              </a:ext>
+            </a:extLst>
+          </a:blip>
+          <a:stretch>
+            <a:fillRect/>
+          </a:stretch>
+        </p:blipFill>
+        <p:spPr>
+          <a:xfrm>
+            <a:off x="2590800" y="1376300"/>
+            <a:ext cx="6851753" cy="5131180"/>
+          </a:xfrm>
+        </p:spPr>
+      </p:pic>
+    </p:spTree>
+    <p:extLst>
+      <p:ext uri="{BB962C8B-B14F-4D97-AF65-F5344CB8AC3E}">
+        <p14:creationId xmlns:p14="http://schemas.microsoft.com/office/powerpoint/2010/main" val="1763376599"/>
+      </p:ext>
+    </p:extLst>
+  </p:cSld>
+  <p:clrMapOvr>
+    <a:masterClrMapping/>
+  </p:clrMapOvr>
+</p:sld>
+</file>
+
+<file path=ppt/slides/slide7.xml><?xml version="1.0" encoding="utf-8"?>
 <p:sld xmlns:a="http://schemas.openxmlformats.org/drawingml/2006/main" xmlns:r="http://schemas.openxmlformats.org/officeDocument/2006/relationships" xmlns:p="http://schemas.openxmlformats.org/presentationml/2006/main">
   <p:cSld>
     <p:spTree>
@@ -3579,7 +3796,7 @@
 </p:sld>
 </file>
 
-<file path=ppt/slides/slide6.xml><?xml version="1.0" encoding="utf-8"?>
+<file path=ppt/slides/slide8.xml><?xml version="1.0" encoding="utf-8"?>
 <p:sld xmlns:a="http://schemas.openxmlformats.org/drawingml/2006/main" xmlns:r="http://schemas.openxmlformats.org/officeDocument/2006/relationships" xmlns:p="http://schemas.openxmlformats.org/presentationml/2006/main">
   <p:cSld>
     <p:spTree>
@@ -3753,6 +3970,77 @@
     <p:extLst>
       <p:ext uri="{BB962C8B-B14F-4D97-AF65-F5344CB8AC3E}">
         <p14:creationId xmlns:p14="http://schemas.microsoft.com/office/powerpoint/2010/main" val="1424945595"/>
+      </p:ext>
+    </p:extLst>
+  </p:cSld>
+  <p:clrMapOvr>
+    <a:masterClrMapping/>
+  </p:clrMapOvr>
+</p:sld>
+</file>
+
+<file path=ppt/slides/slide9.xml><?xml version="1.0" encoding="utf-8"?>
+<p:sld xmlns:a="http://schemas.openxmlformats.org/drawingml/2006/main" xmlns:r="http://schemas.openxmlformats.org/officeDocument/2006/relationships" xmlns:p="http://schemas.openxmlformats.org/presentationml/2006/main">
+  <p:cSld>
+    <p:spTree>
+      <p:nvGrpSpPr>
+        <p:cNvPr id="1" name=""/>
+        <p:cNvGrpSpPr/>
+        <p:nvPr/>
+      </p:nvGrpSpPr>
+      <p:grpSpPr>
+        <a:xfrm>
+          <a:off x="0" y="0"/>
+          <a:ext cx="0" cy="0"/>
+          <a:chOff x="0" y="0"/>
+          <a:chExt cx="0" cy="0"/>
+        </a:xfrm>
+      </p:grpSpPr>
+      <p:sp>
+        <p:nvSpPr>
+          <p:cNvPr id="2" name="Title 1"/>
+          <p:cNvSpPr>
+            <a:spLocks noGrp="1"/>
+          </p:cNvSpPr>
+          <p:nvPr>
+            <p:ph type="title"/>
+          </p:nvPr>
+        </p:nvSpPr>
+        <p:spPr/>
+        <p:txBody>
+          <a:bodyPr/>
+          <a:lstStyle/>
+          <a:p>
+            <a:r>
+              <a:rPr lang="en-US" dirty="0"/>
+              <a:t>End</a:t>
+            </a:r>
+          </a:p>
+        </p:txBody>
+      </p:sp>
+      <p:sp>
+        <p:nvSpPr>
+          <p:cNvPr id="3" name="Content Placeholder 2"/>
+          <p:cNvSpPr>
+            <a:spLocks noGrp="1"/>
+          </p:cNvSpPr>
+          <p:nvPr>
+            <p:ph idx="1"/>
+          </p:nvPr>
+        </p:nvSpPr>
+        <p:spPr/>
+        <p:txBody>
+          <a:bodyPr/>
+          <a:lstStyle/>
+          <a:p>
+            <a:endParaRPr lang="en-US"/>
+          </a:p>
+        </p:txBody>
+      </p:sp>
+    </p:spTree>
+    <p:extLst>
+      <p:ext uri="{BB962C8B-B14F-4D97-AF65-F5344CB8AC3E}">
+        <p14:creationId xmlns:p14="http://schemas.microsoft.com/office/powerpoint/2010/main" val="426214572"/>
       </p:ext>
     </p:extLst>
   </p:cSld>
